--- a/NLP - Narrative.pptx
+++ b/NLP - Narrative.pptx
@@ -307,7 +307,7 @@
             <a:fld id="{1D8BD707-D9CF-40AE-B4C6-C98DA3205C09}" type="datetimeFigureOut">
               <a:rPr lang="en-US" smtClean="0"/>
               <a:pPr/>
-              <a:t>5/9/2017</a:t>
+              <a:t>5/12/2017</a:t>
             </a:fld>
             <a:endParaRPr lang="en-US"/>
           </a:p>
@@ -474,7 +474,7 @@
             <a:fld id="{1D8BD707-D9CF-40AE-B4C6-C98DA3205C09}" type="datetimeFigureOut">
               <a:rPr lang="en-US" smtClean="0"/>
               <a:pPr/>
-              <a:t>5/9/2017</a:t>
+              <a:t>5/12/2017</a:t>
             </a:fld>
             <a:endParaRPr lang="en-US"/>
           </a:p>
@@ -651,7 +651,7 @@
             <a:fld id="{1D8BD707-D9CF-40AE-B4C6-C98DA3205C09}" type="datetimeFigureOut">
               <a:rPr lang="en-US" smtClean="0"/>
               <a:pPr/>
-              <a:t>5/9/2017</a:t>
+              <a:t>5/12/2017</a:t>
             </a:fld>
             <a:endParaRPr lang="en-US"/>
           </a:p>
@@ -818,7 +818,7 @@
             <a:fld id="{1D8BD707-D9CF-40AE-B4C6-C98DA3205C09}" type="datetimeFigureOut">
               <a:rPr lang="en-US" smtClean="0"/>
               <a:pPr/>
-              <a:t>5/9/2017</a:t>
+              <a:t>5/12/2017</a:t>
             </a:fld>
             <a:endParaRPr lang="en-US"/>
           </a:p>
@@ -1061,7 +1061,7 @@
             <a:fld id="{1D8BD707-D9CF-40AE-B4C6-C98DA3205C09}" type="datetimeFigureOut">
               <a:rPr lang="en-US" smtClean="0"/>
               <a:pPr/>
-              <a:t>5/9/2017</a:t>
+              <a:t>5/12/2017</a:t>
             </a:fld>
             <a:endParaRPr lang="en-US"/>
           </a:p>
@@ -1346,7 +1346,7 @@
             <a:fld id="{1D8BD707-D9CF-40AE-B4C6-C98DA3205C09}" type="datetimeFigureOut">
               <a:rPr lang="en-US" smtClean="0"/>
               <a:pPr/>
-              <a:t>5/9/2017</a:t>
+              <a:t>5/12/2017</a:t>
             </a:fld>
             <a:endParaRPr lang="en-US"/>
           </a:p>
@@ -1765,7 +1765,7 @@
             <a:fld id="{1D8BD707-D9CF-40AE-B4C6-C98DA3205C09}" type="datetimeFigureOut">
               <a:rPr lang="en-US" smtClean="0"/>
               <a:pPr/>
-              <a:t>5/9/2017</a:t>
+              <a:t>5/12/2017</a:t>
             </a:fld>
             <a:endParaRPr lang="en-US"/>
           </a:p>
@@ -1880,7 +1880,7 @@
             <a:fld id="{1D8BD707-D9CF-40AE-B4C6-C98DA3205C09}" type="datetimeFigureOut">
               <a:rPr lang="en-US" smtClean="0"/>
               <a:pPr/>
-              <a:t>5/9/2017</a:t>
+              <a:t>5/12/2017</a:t>
             </a:fld>
             <a:endParaRPr lang="en-US"/>
           </a:p>
@@ -1972,7 +1972,7 @@
             <a:fld id="{1D8BD707-D9CF-40AE-B4C6-C98DA3205C09}" type="datetimeFigureOut">
               <a:rPr lang="en-US" smtClean="0"/>
               <a:pPr/>
-              <a:t>5/9/2017</a:t>
+              <a:t>5/12/2017</a:t>
             </a:fld>
             <a:endParaRPr lang="en-US"/>
           </a:p>
@@ -2246,7 +2246,7 @@
             <a:fld id="{1D8BD707-D9CF-40AE-B4C6-C98DA3205C09}" type="datetimeFigureOut">
               <a:rPr lang="en-US" smtClean="0"/>
               <a:pPr/>
-              <a:t>5/9/2017</a:t>
+              <a:t>5/12/2017</a:t>
             </a:fld>
             <a:endParaRPr lang="en-US"/>
           </a:p>
@@ -2496,7 +2496,7 @@
             <a:fld id="{1D8BD707-D9CF-40AE-B4C6-C98DA3205C09}" type="datetimeFigureOut">
               <a:rPr lang="en-US" smtClean="0"/>
               <a:pPr/>
-              <a:t>5/9/2017</a:t>
+              <a:t>5/12/2017</a:t>
             </a:fld>
             <a:endParaRPr lang="en-US"/>
           </a:p>
@@ -2706,7 +2706,7 @@
             <a:fld id="{1D8BD707-D9CF-40AE-B4C6-C98DA3205C09}" type="datetimeFigureOut">
               <a:rPr lang="en-US" smtClean="0"/>
               <a:pPr/>
-              <a:t>5/9/2017</a:t>
+              <a:t>5/12/2017</a:t>
             </a:fld>
             <a:endParaRPr lang="en-US"/>
           </a:p>
@@ -6501,23 +6501,7 @@
                   <a:srgbClr val="0070C0"/>
                 </a:solidFill>
               </a:rPr>
-              <a:t>     exceptions (vs. all words, e.g., 1000 words instead of </a:t>
-            </a:r>
-            <a:r>
-              <a:rPr lang="en-US" sz="2400" i="1" dirty="0" smtClean="0">
-                <a:solidFill>
-                  <a:srgbClr val="0070C0"/>
-                </a:solidFill>
-              </a:rPr>
-              <a:t>100,000</a:t>
-            </a:r>
-            <a:r>
-              <a:rPr lang="en-US" sz="2400" i="1" dirty="0" smtClean="0">
-                <a:solidFill>
-                  <a:srgbClr val="0070C0"/>
-                </a:solidFill>
-              </a:rPr>
-              <a:t>).</a:t>
+              <a:t>     exceptions (vs. all words, e.g., 1000 words instead of 100,000).</a:t>
             </a:r>
           </a:p>
         </p:txBody>
@@ -7239,17 +7223,7 @@
                   </a:schemeClr>
                 </a:solidFill>
               </a:rPr>
-              <a:t>Inverse Document Frequency </a:t>
-            </a:r>
-            <a:r>
-              <a:rPr lang="en-US" dirty="0" smtClean="0">
-                <a:solidFill>
-                  <a:schemeClr val="accent1">
-                    <a:lumMod val="75000"/>
-                  </a:schemeClr>
-                </a:solidFill>
-              </a:rPr>
-              <a:t>(IDF)</a:t>
+              <a:t>Inverse Document Frequency (IDF)</a:t>
             </a:r>
             <a:endParaRPr lang="en-US" dirty="0">
               <a:solidFill>
@@ -11723,8 +11697,9 @@
           <a:p>
             <a:r>
               <a:rPr lang="en-US" sz="2000" i="1" dirty="0" smtClean="0"/>
-              <a:t>over:2</a:t>
-            </a:r>
+              <a:t>over:1</a:t>
+            </a:r>
+            <a:endParaRPr lang="en-US" sz="2000" i="1" dirty="0" smtClean="0"/>
           </a:p>
           <a:p>
             <a:r>
@@ -12567,7 +12542,23 @@
                   <a:srgbClr val="0070C0"/>
                 </a:solidFill>
               </a:rPr>
-              <a:t>has 80,000unique words, then you would have 80,000 categorical variables!</a:t>
+              <a:t>has </a:t>
+            </a:r>
+            <a:r>
+              <a:rPr lang="en-US" sz="2000" b="1" dirty="0" smtClean="0">
+                <a:solidFill>
+                  <a:srgbClr val="0070C0"/>
+                </a:solidFill>
+              </a:rPr>
+              <a:t>80,000 unique </a:t>
+            </a:r>
+            <a:r>
+              <a:rPr lang="en-US" sz="2000" b="1" dirty="0" smtClean="0">
+                <a:solidFill>
+                  <a:srgbClr val="0070C0"/>
+                </a:solidFill>
+              </a:rPr>
+              <a:t>words, then you would have 80,000 categorical variables!</a:t>
             </a:r>
             <a:endParaRPr lang="en-US" sz="2000" b="1" dirty="0">
               <a:solidFill>
